--- a/presentation/PerformanceImprovements-in-Dotnet7.pptx
+++ b/presentation/PerformanceImprovements-in-Dotnet7.pptx
@@ -194,7 +194,7 @@
           <a:noFill/>
           <a:extLst>
             <a:ext uri="{909E8E84-426E-40dd-AFC4-6F175D3DCCD1}">
-              <a14:hiddenFill xmlns:a14="http://schemas.microsoft.com/office/drawing/2010/main" xmlns="">
+              <a14:hiddenFill xmlns="" xmlns:a14="http://schemas.microsoft.com/office/drawing/2010/main">
                 <a:solidFill>
                   <a:srgbClr val="FFFFFF"/>
                 </a:solidFill>
@@ -253,7 +253,7 @@
             </a:ln>
             <a:extLst>
               <a:ext uri="{91240B29-F687-4f45-9708-019B960494DF}">
-                <a14:hiddenLine xmlns:a14="http://schemas.microsoft.com/office/drawing/2010/main" xmlns="" w="9525">
+                <a14:hiddenLine xmlns="" xmlns:a14="http://schemas.microsoft.com/office/drawing/2010/main" w="9525">
                   <a:solidFill>
                     <a:srgbClr val="000000"/>
                   </a:solidFill>
@@ -343,7 +343,7 @@
             </a:ln>
             <a:extLst>
               <a:ext uri="{91240B29-F687-4f45-9708-019B960494DF}">
-                <a14:hiddenLine xmlns:a14="http://schemas.microsoft.com/office/drawing/2010/main" xmlns="" w="9525">
+                <a14:hiddenLine xmlns="" xmlns:a14="http://schemas.microsoft.com/office/drawing/2010/main" w="9525">
                   <a:solidFill>
                     <a:srgbClr val="000000"/>
                   </a:solidFill>
@@ -433,7 +433,7 @@
             </a:ln>
             <a:extLst>
               <a:ext uri="{91240B29-F687-4f45-9708-019B960494DF}">
-                <a14:hiddenLine xmlns:a14="http://schemas.microsoft.com/office/drawing/2010/main" xmlns="" w="9525">
+                <a14:hiddenLine xmlns="" xmlns:a14="http://schemas.microsoft.com/office/drawing/2010/main" w="9525">
                   <a:solidFill>
                     <a:srgbClr val="000000"/>
                   </a:solidFill>
@@ -467,7 +467,7 @@
             </a:ln>
             <a:extLst>
               <a:ext uri="{91240B29-F687-4f45-9708-019B960494DF}">
-                <a14:hiddenLine xmlns:a14="http://schemas.microsoft.com/office/drawing/2010/main" xmlns="" w="9525">
+                <a14:hiddenLine xmlns="" xmlns:a14="http://schemas.microsoft.com/office/drawing/2010/main" w="9525">
                   <a:solidFill>
                     <a:srgbClr val="000000"/>
                   </a:solidFill>
@@ -557,7 +557,7 @@
             </a:ln>
             <a:extLst>
               <a:ext uri="{91240B29-F687-4f45-9708-019B960494DF}">
-                <a14:hiddenLine xmlns:a14="http://schemas.microsoft.com/office/drawing/2010/main" xmlns="" w="9525">
+                <a14:hiddenLine xmlns="" xmlns:a14="http://schemas.microsoft.com/office/drawing/2010/main" w="9525">
                   <a:solidFill>
                     <a:srgbClr val="000000"/>
                   </a:solidFill>
@@ -619,7 +619,7 @@
             </a:ln>
             <a:extLst>
               <a:ext uri="{91240B29-F687-4f45-9708-019B960494DF}">
-                <a14:hiddenLine xmlns:a14="http://schemas.microsoft.com/office/drawing/2010/main" xmlns="" w="9525">
+                <a14:hiddenLine xmlns="" xmlns:a14="http://schemas.microsoft.com/office/drawing/2010/main" w="9525">
                   <a:solidFill>
                     <a:srgbClr val="000000"/>
                   </a:solidFill>
@@ -681,7 +681,7 @@
             </a:ln>
             <a:extLst>
               <a:ext uri="{91240B29-F687-4f45-9708-019B960494DF}">
-                <a14:hiddenLine xmlns:a14="http://schemas.microsoft.com/office/drawing/2010/main" xmlns="" w="9525">
+                <a14:hiddenLine xmlns="" xmlns:a14="http://schemas.microsoft.com/office/drawing/2010/main" w="9525">
                   <a:solidFill>
                     <a:srgbClr val="000000"/>
                   </a:solidFill>
@@ -771,7 +771,7 @@
             </a:ln>
             <a:extLst>
               <a:ext uri="{91240B29-F687-4f45-9708-019B960494DF}">
-                <a14:hiddenLine xmlns:a14="http://schemas.microsoft.com/office/drawing/2010/main" xmlns="" w="9525">
+                <a14:hiddenLine xmlns="" xmlns:a14="http://schemas.microsoft.com/office/drawing/2010/main" w="9525">
                   <a:solidFill>
                     <a:srgbClr val="000000"/>
                   </a:solidFill>
@@ -833,7 +833,7 @@
             </a:ln>
             <a:extLst>
               <a:ext uri="{91240B29-F687-4f45-9708-019B960494DF}">
-                <a14:hiddenLine xmlns:a14="http://schemas.microsoft.com/office/drawing/2010/main" xmlns="" w="9525">
+                <a14:hiddenLine xmlns="" xmlns:a14="http://schemas.microsoft.com/office/drawing/2010/main" w="9525">
                   <a:solidFill>
                     <a:srgbClr val="000000"/>
                   </a:solidFill>
@@ -895,7 +895,7 @@
             </a:ln>
             <a:extLst>
               <a:ext uri="{91240B29-F687-4f45-9708-019B960494DF}">
-                <a14:hiddenLine xmlns:a14="http://schemas.microsoft.com/office/drawing/2010/main" xmlns="" w="9525">
+                <a14:hiddenLine xmlns="" xmlns:a14="http://schemas.microsoft.com/office/drawing/2010/main" w="9525">
                   <a:solidFill>
                     <a:srgbClr val="000000"/>
                   </a:solidFill>
@@ -985,7 +985,7 @@
             </a:ln>
             <a:extLst>
               <a:ext uri="{91240B29-F687-4f45-9708-019B960494DF}">
-                <a14:hiddenLine xmlns:a14="http://schemas.microsoft.com/office/drawing/2010/main" xmlns="" w="9525">
+                <a14:hiddenLine xmlns="" xmlns:a14="http://schemas.microsoft.com/office/drawing/2010/main" w="9525">
                   <a:solidFill>
                     <a:srgbClr val="000000"/>
                   </a:solidFill>
@@ -1075,7 +1075,7 @@
             </a:ln>
             <a:extLst>
               <a:ext uri="{91240B29-F687-4f45-9708-019B960494DF}">
-                <a14:hiddenLine xmlns:a14="http://schemas.microsoft.com/office/drawing/2010/main" xmlns="" w="9525">
+                <a14:hiddenLine xmlns="" xmlns:a14="http://schemas.microsoft.com/office/drawing/2010/main" w="9525">
                   <a:solidFill>
                     <a:srgbClr val="000000"/>
                   </a:solidFill>
@@ -1137,7 +1137,7 @@
             </a:ln>
             <a:extLst>
               <a:ext uri="{91240B29-F687-4f45-9708-019B960494DF}">
-                <a14:hiddenLine xmlns:a14="http://schemas.microsoft.com/office/drawing/2010/main" xmlns="" w="9525">
+                <a14:hiddenLine xmlns="" xmlns:a14="http://schemas.microsoft.com/office/drawing/2010/main" w="9525">
                   <a:solidFill>
                     <a:srgbClr val="000000"/>
                   </a:solidFill>
@@ -1247,7 +1247,7 @@
             </a:ln>
             <a:extLst>
               <a:ext uri="{91240B29-F687-4f45-9708-019B960494DF}">
-                <a14:hiddenLine xmlns:a14="http://schemas.microsoft.com/office/drawing/2010/main" xmlns="" w="9525">
+                <a14:hiddenLine xmlns="" xmlns:a14="http://schemas.microsoft.com/office/drawing/2010/main" w="9525">
                   <a:solidFill>
                     <a:srgbClr val="000000"/>
                   </a:solidFill>
@@ -1309,7 +1309,7 @@
             </a:ln>
             <a:extLst>
               <a:ext uri="{91240B29-F687-4f45-9708-019B960494DF}">
-                <a14:hiddenLine xmlns:a14="http://schemas.microsoft.com/office/drawing/2010/main" xmlns="" w="9525">
+                <a14:hiddenLine xmlns="" xmlns:a14="http://schemas.microsoft.com/office/drawing/2010/main" w="9525">
                   <a:solidFill>
                     <a:srgbClr val="000000"/>
                   </a:solidFill>
@@ -1399,7 +1399,7 @@
             </a:ln>
             <a:extLst>
               <a:ext uri="{91240B29-F687-4f45-9708-019B960494DF}">
-                <a14:hiddenLine xmlns:a14="http://schemas.microsoft.com/office/drawing/2010/main" xmlns="" w="9525">
+                <a14:hiddenLine xmlns="" xmlns:a14="http://schemas.microsoft.com/office/drawing/2010/main" w="9525">
                   <a:solidFill>
                     <a:srgbClr val="000000"/>
                   </a:solidFill>
@@ -1489,7 +1489,7 @@
             </a:ln>
             <a:extLst>
               <a:ext uri="{91240B29-F687-4f45-9708-019B960494DF}">
-                <a14:hiddenLine xmlns:a14="http://schemas.microsoft.com/office/drawing/2010/main" xmlns="" w="9525">
+                <a14:hiddenLine xmlns="" xmlns:a14="http://schemas.microsoft.com/office/drawing/2010/main" w="9525">
                   <a:solidFill>
                     <a:srgbClr val="000000"/>
                   </a:solidFill>
@@ -1551,7 +1551,7 @@
             </a:ln>
             <a:extLst>
               <a:ext uri="{91240B29-F687-4f45-9708-019B960494DF}">
-                <a14:hiddenLine xmlns:a14="http://schemas.microsoft.com/office/drawing/2010/main" xmlns="" w="9525">
+                <a14:hiddenLine xmlns="" xmlns:a14="http://schemas.microsoft.com/office/drawing/2010/main" w="9525">
                   <a:solidFill>
                     <a:srgbClr val="000000"/>
                   </a:solidFill>
@@ -1641,7 +1641,7 @@
             </a:ln>
             <a:extLst>
               <a:ext uri="{91240B29-F687-4f45-9708-019B960494DF}">
-                <a14:hiddenLine xmlns:a14="http://schemas.microsoft.com/office/drawing/2010/main" xmlns="" w="9525">
+                <a14:hiddenLine xmlns="" xmlns:a14="http://schemas.microsoft.com/office/drawing/2010/main" w="9525">
                   <a:solidFill>
                     <a:srgbClr val="000000"/>
                   </a:solidFill>
@@ -1731,7 +1731,7 @@
             </a:ln>
             <a:extLst>
               <a:ext uri="{91240B29-F687-4f45-9708-019B960494DF}">
-                <a14:hiddenLine xmlns:a14="http://schemas.microsoft.com/office/drawing/2010/main" xmlns="" w="9525">
+                <a14:hiddenLine xmlns="" xmlns:a14="http://schemas.microsoft.com/office/drawing/2010/main" w="9525">
                   <a:solidFill>
                     <a:srgbClr val="000000"/>
                   </a:solidFill>
@@ -1787,7 +1787,7 @@
             </a:ln>
             <a:extLst>
               <a:ext uri="{91240B29-F687-4f45-9708-019B960494DF}">
-                <a14:hiddenLine xmlns:a14="http://schemas.microsoft.com/office/drawing/2010/main" xmlns="" w="9525">
+                <a14:hiddenLine xmlns="" xmlns:a14="http://schemas.microsoft.com/office/drawing/2010/main" w="9525">
                   <a:solidFill>
                     <a:srgbClr val="000000"/>
                   </a:solidFill>
@@ -1877,7 +1877,7 @@
             </a:ln>
             <a:extLst>
               <a:ext uri="{91240B29-F687-4f45-9708-019B960494DF}">
-                <a14:hiddenLine xmlns:a14="http://schemas.microsoft.com/office/drawing/2010/main" xmlns="" w="9525">
+                <a14:hiddenLine xmlns="" xmlns:a14="http://schemas.microsoft.com/office/drawing/2010/main" w="9525">
                   <a:solidFill>
                     <a:srgbClr val="000000"/>
                   </a:solidFill>
@@ -1933,7 +1933,7 @@
             </a:ln>
             <a:extLst>
               <a:ext uri="{91240B29-F687-4f45-9708-019B960494DF}">
-                <a14:hiddenLine xmlns:a14="http://schemas.microsoft.com/office/drawing/2010/main" xmlns="" w="9525">
+                <a14:hiddenLine xmlns="" xmlns:a14="http://schemas.microsoft.com/office/drawing/2010/main" w="9525">
                   <a:solidFill>
                     <a:srgbClr val="000000"/>
                   </a:solidFill>
@@ -2023,7 +2023,7 @@
             </a:ln>
             <a:extLst>
               <a:ext uri="{91240B29-F687-4f45-9708-019B960494DF}">
-                <a14:hiddenLine xmlns:a14="http://schemas.microsoft.com/office/drawing/2010/main" xmlns="" w="9525">
+                <a14:hiddenLine xmlns="" xmlns:a14="http://schemas.microsoft.com/office/drawing/2010/main" w="9525">
                   <a:solidFill>
                     <a:srgbClr val="000000"/>
                   </a:solidFill>
@@ -2091,7 +2091,7 @@
             </a:ln>
             <a:extLst>
               <a:ext uri="{91240B29-F687-4f45-9708-019B960494DF}">
-                <a14:hiddenLine xmlns:a14="http://schemas.microsoft.com/office/drawing/2010/main" xmlns="" w="9525">
+                <a14:hiddenLine xmlns="" xmlns:a14="http://schemas.microsoft.com/office/drawing/2010/main" w="9525">
                   <a:solidFill>
                     <a:srgbClr val="000000"/>
                   </a:solidFill>
@@ -2181,7 +2181,7 @@
             </a:ln>
             <a:extLst>
               <a:ext uri="{91240B29-F687-4f45-9708-019B960494DF}">
-                <a14:hiddenLine xmlns:a14="http://schemas.microsoft.com/office/drawing/2010/main" xmlns="" w="9525">
+                <a14:hiddenLine xmlns="" xmlns:a14="http://schemas.microsoft.com/office/drawing/2010/main" w="9525">
                   <a:solidFill>
                     <a:srgbClr val="000000"/>
                   </a:solidFill>
@@ -2249,7 +2249,7 @@
             </a:ln>
             <a:extLst>
               <a:ext uri="{91240B29-F687-4f45-9708-019B960494DF}">
-                <a14:hiddenLine xmlns:a14="http://schemas.microsoft.com/office/drawing/2010/main" xmlns="" w="9525">
+                <a14:hiddenLine xmlns="" xmlns:a14="http://schemas.microsoft.com/office/drawing/2010/main" w="9525">
                   <a:solidFill>
                     <a:srgbClr val="000000"/>
                   </a:solidFill>
@@ -2339,7 +2339,7 @@
             </a:ln>
             <a:extLst>
               <a:ext uri="{91240B29-F687-4f45-9708-019B960494DF}">
-                <a14:hiddenLine xmlns:a14="http://schemas.microsoft.com/office/drawing/2010/main" xmlns="" w="9525">
+                <a14:hiddenLine xmlns="" xmlns:a14="http://schemas.microsoft.com/office/drawing/2010/main" w="9525">
                   <a:solidFill>
                     <a:srgbClr val="000000"/>
                   </a:solidFill>
@@ -2373,7 +2373,7 @@
             </a:ln>
             <a:extLst>
               <a:ext uri="{91240B29-F687-4f45-9708-019B960494DF}">
-                <a14:hiddenLine xmlns:a14="http://schemas.microsoft.com/office/drawing/2010/main" xmlns="" w="9525">
+                <a14:hiddenLine xmlns="" xmlns:a14="http://schemas.microsoft.com/office/drawing/2010/main" w="9525">
                   <a:solidFill>
                     <a:srgbClr val="000000"/>
                   </a:solidFill>
@@ -2463,7 +2463,7 @@
             </a:ln>
             <a:extLst>
               <a:ext uri="{91240B29-F687-4f45-9708-019B960494DF}">
-                <a14:hiddenLine xmlns:a14="http://schemas.microsoft.com/office/drawing/2010/main" xmlns="" w="9525">
+                <a14:hiddenLine xmlns="" xmlns:a14="http://schemas.microsoft.com/office/drawing/2010/main" w="9525">
                   <a:solidFill>
                     <a:srgbClr val="000000"/>
                   </a:solidFill>
@@ -2525,7 +2525,7 @@
             </a:ln>
             <a:extLst>
               <a:ext uri="{91240B29-F687-4f45-9708-019B960494DF}">
-                <a14:hiddenLine xmlns:a14="http://schemas.microsoft.com/office/drawing/2010/main" xmlns="" w="9525">
+                <a14:hiddenLine xmlns="" xmlns:a14="http://schemas.microsoft.com/office/drawing/2010/main" w="9525">
                   <a:solidFill>
                     <a:srgbClr val="000000"/>
                   </a:solidFill>
@@ -2587,7 +2587,7 @@
             </a:ln>
             <a:extLst>
               <a:ext uri="{91240B29-F687-4f45-9708-019B960494DF}">
-                <a14:hiddenLine xmlns:a14="http://schemas.microsoft.com/office/drawing/2010/main" xmlns="" w="9525">
+                <a14:hiddenLine xmlns="" xmlns:a14="http://schemas.microsoft.com/office/drawing/2010/main" w="9525">
                   <a:solidFill>
                     <a:srgbClr val="000000"/>
                   </a:solidFill>
@@ -2677,7 +2677,7 @@
             </a:ln>
             <a:extLst>
               <a:ext uri="{91240B29-F687-4f45-9708-019B960494DF}">
-                <a14:hiddenLine xmlns:a14="http://schemas.microsoft.com/office/drawing/2010/main" xmlns="" w="9525">
+                <a14:hiddenLine xmlns="" xmlns:a14="http://schemas.microsoft.com/office/drawing/2010/main" w="9525">
                   <a:solidFill>
                     <a:srgbClr val="000000"/>
                   </a:solidFill>
@@ -2745,7 +2745,7 @@
             </a:ln>
             <a:extLst>
               <a:ext uri="{91240B29-F687-4f45-9708-019B960494DF}">
-                <a14:hiddenLine xmlns:a14="http://schemas.microsoft.com/office/drawing/2010/main" xmlns="" w="9525">
+                <a14:hiddenLine xmlns="" xmlns:a14="http://schemas.microsoft.com/office/drawing/2010/main" w="9525">
                   <a:solidFill>
                     <a:srgbClr val="000000"/>
                   </a:solidFill>
@@ -2807,7 +2807,7 @@
             </a:ln>
             <a:extLst>
               <a:ext uri="{91240B29-F687-4f45-9708-019B960494DF}">
-                <a14:hiddenLine xmlns:a14="http://schemas.microsoft.com/office/drawing/2010/main" xmlns="" w="9525">
+                <a14:hiddenLine xmlns="" xmlns:a14="http://schemas.microsoft.com/office/drawing/2010/main" w="9525">
                   <a:solidFill>
                     <a:srgbClr val="000000"/>
                   </a:solidFill>
@@ -2897,7 +2897,7 @@
             </a:ln>
             <a:extLst>
               <a:ext uri="{91240B29-F687-4f45-9708-019B960494DF}">
-                <a14:hiddenLine xmlns:a14="http://schemas.microsoft.com/office/drawing/2010/main" xmlns="" w="9525">
+                <a14:hiddenLine xmlns="" xmlns:a14="http://schemas.microsoft.com/office/drawing/2010/main" w="9525">
                   <a:solidFill>
                     <a:srgbClr val="000000"/>
                   </a:solidFill>
@@ -2959,7 +2959,7 @@
             </a:ln>
             <a:extLst>
               <a:ext uri="{91240B29-F687-4f45-9708-019B960494DF}">
-                <a14:hiddenLine xmlns:a14="http://schemas.microsoft.com/office/drawing/2010/main" xmlns="" w="9525">
+                <a14:hiddenLine xmlns="" xmlns:a14="http://schemas.microsoft.com/office/drawing/2010/main" w="9525">
                   <a:solidFill>
                     <a:srgbClr val="000000"/>
                   </a:solidFill>
@@ -3049,7 +3049,7 @@
             </a:ln>
             <a:extLst>
               <a:ext uri="{91240B29-F687-4f45-9708-019B960494DF}">
-                <a14:hiddenLine xmlns:a14="http://schemas.microsoft.com/office/drawing/2010/main" xmlns="" w="9525">
+                <a14:hiddenLine xmlns="" xmlns:a14="http://schemas.microsoft.com/office/drawing/2010/main" w="9525">
                   <a:solidFill>
                     <a:srgbClr val="000000"/>
                   </a:solidFill>
@@ -3111,7 +3111,7 @@
             </a:ln>
             <a:extLst>
               <a:ext uri="{91240B29-F687-4f45-9708-019B960494DF}">
-                <a14:hiddenLine xmlns:a14="http://schemas.microsoft.com/office/drawing/2010/main" xmlns="" w="9525">
+                <a14:hiddenLine xmlns="" xmlns:a14="http://schemas.microsoft.com/office/drawing/2010/main" w="9525">
                   <a:solidFill>
                     <a:srgbClr val="000000"/>
                   </a:solidFill>
@@ -3201,7 +3201,7 @@
             </a:ln>
             <a:extLst>
               <a:ext uri="{91240B29-F687-4f45-9708-019B960494DF}">
-                <a14:hiddenLine xmlns:a14="http://schemas.microsoft.com/office/drawing/2010/main" xmlns="" w="9525">
+                <a14:hiddenLine xmlns="" xmlns:a14="http://schemas.microsoft.com/office/drawing/2010/main" w="9525">
                   <a:solidFill>
                     <a:srgbClr val="000000"/>
                   </a:solidFill>
@@ -3235,7 +3235,7 @@
             </a:ln>
             <a:extLst>
               <a:ext uri="{91240B29-F687-4f45-9708-019B960494DF}">
-                <a14:hiddenLine xmlns:a14="http://schemas.microsoft.com/office/drawing/2010/main" xmlns="" w="9525">
+                <a14:hiddenLine xmlns="" xmlns:a14="http://schemas.microsoft.com/office/drawing/2010/main" w="9525">
                   <a:solidFill>
                     <a:srgbClr val="000000"/>
                   </a:solidFill>
@@ -3300,7 +3300,7 @@
             </a:ln>
             <a:extLst>
               <a:ext uri="{91240B29-F687-4f45-9708-019B960494DF}">
-                <a14:hiddenLine xmlns:a14="http://schemas.microsoft.com/office/drawing/2010/main" xmlns="" w="9525">
+                <a14:hiddenLine xmlns="" xmlns:a14="http://schemas.microsoft.com/office/drawing/2010/main" w="9525">
                   <a:solidFill>
                     <a:srgbClr val="000000"/>
                   </a:solidFill>
@@ -3390,7 +3390,7 @@
             </a:ln>
             <a:extLst>
               <a:ext uri="{91240B29-F687-4f45-9708-019B960494DF}">
-                <a14:hiddenLine xmlns:a14="http://schemas.microsoft.com/office/drawing/2010/main" xmlns="" w="9525">
+                <a14:hiddenLine xmlns="" xmlns:a14="http://schemas.microsoft.com/office/drawing/2010/main" w="9525">
                   <a:solidFill>
                     <a:srgbClr val="000000"/>
                   </a:solidFill>
@@ -3452,7 +3452,7 @@
             </a:ln>
             <a:extLst>
               <a:ext uri="{91240B29-F687-4f45-9708-019B960494DF}">
-                <a14:hiddenLine xmlns:a14="http://schemas.microsoft.com/office/drawing/2010/main" xmlns="" w="9525">
+                <a14:hiddenLine xmlns="" xmlns:a14="http://schemas.microsoft.com/office/drawing/2010/main" w="9525">
                   <a:solidFill>
                     <a:srgbClr val="000000"/>
                   </a:solidFill>
@@ -3542,7 +3542,7 @@
             </a:ln>
             <a:extLst>
               <a:ext uri="{91240B29-F687-4f45-9708-019B960494DF}">
-                <a14:hiddenLine xmlns:a14="http://schemas.microsoft.com/office/drawing/2010/main" xmlns="" w="9525">
+                <a14:hiddenLine xmlns="" xmlns:a14="http://schemas.microsoft.com/office/drawing/2010/main" w="9525">
                   <a:solidFill>
                     <a:srgbClr val="000000"/>
                   </a:solidFill>
@@ -3632,7 +3632,7 @@
             </a:ln>
             <a:extLst>
               <a:ext uri="{91240B29-F687-4f45-9708-019B960494DF}">
-                <a14:hiddenLine xmlns:a14="http://schemas.microsoft.com/office/drawing/2010/main" xmlns="" w="9525">
+                <a14:hiddenLine xmlns="" xmlns:a14="http://schemas.microsoft.com/office/drawing/2010/main" w="9525">
                   <a:solidFill>
                     <a:srgbClr val="000000"/>
                   </a:solidFill>
@@ -3697,7 +3697,7 @@
             </a:ln>
             <a:extLst>
               <a:ext uri="{91240B29-F687-4f45-9708-019B960494DF}">
-                <a14:hiddenLine xmlns:a14="http://schemas.microsoft.com/office/drawing/2010/main" xmlns="" w="9525">
+                <a14:hiddenLine xmlns="" xmlns:a14="http://schemas.microsoft.com/office/drawing/2010/main" w="9525">
                   <a:solidFill>
                     <a:srgbClr val="000000"/>
                   </a:solidFill>
@@ -3759,7 +3759,7 @@
             </a:ln>
             <a:extLst>
               <a:ext uri="{91240B29-F687-4f45-9708-019B960494DF}">
-                <a14:hiddenLine xmlns:a14="http://schemas.microsoft.com/office/drawing/2010/main" xmlns="" w="9525">
+                <a14:hiddenLine xmlns="" xmlns:a14="http://schemas.microsoft.com/office/drawing/2010/main" w="9525">
                   <a:solidFill>
                     <a:srgbClr val="000000"/>
                   </a:solidFill>
@@ -3849,7 +3849,7 @@
             </a:ln>
             <a:extLst>
               <a:ext uri="{91240B29-F687-4f45-9708-019B960494DF}">
-                <a14:hiddenLine xmlns:a14="http://schemas.microsoft.com/office/drawing/2010/main" xmlns="" w="9525">
+                <a14:hiddenLine xmlns="" xmlns:a14="http://schemas.microsoft.com/office/drawing/2010/main" w="9525">
                   <a:solidFill>
                     <a:srgbClr val="000000"/>
                   </a:solidFill>
@@ -3939,7 +3939,7 @@
             </a:ln>
             <a:extLst>
               <a:ext uri="{91240B29-F687-4f45-9708-019B960494DF}">
-                <a14:hiddenLine xmlns:a14="http://schemas.microsoft.com/office/drawing/2010/main" xmlns="" w="9525">
+                <a14:hiddenLine xmlns="" xmlns:a14="http://schemas.microsoft.com/office/drawing/2010/main" w="9525">
                   <a:solidFill>
                     <a:srgbClr val="000000"/>
                   </a:solidFill>
@@ -4001,7 +4001,7 @@
             </a:ln>
             <a:extLst>
               <a:ext uri="{91240B29-F687-4f45-9708-019B960494DF}">
-                <a14:hiddenLine xmlns:a14="http://schemas.microsoft.com/office/drawing/2010/main" xmlns="" w="9525">
+                <a14:hiddenLine xmlns="" xmlns:a14="http://schemas.microsoft.com/office/drawing/2010/main" w="9525">
                   <a:solidFill>
                     <a:srgbClr val="000000"/>
                   </a:solidFill>
@@ -4121,7 +4121,7 @@
             </a:ln>
             <a:extLst>
               <a:ext uri="{91240B29-F687-4f45-9708-019B960494DF}">
-                <a14:hiddenLine xmlns:a14="http://schemas.microsoft.com/office/drawing/2010/main" xmlns="" w="9525">
+                <a14:hiddenLine xmlns="" xmlns:a14="http://schemas.microsoft.com/office/drawing/2010/main" w="9525">
                   <a:solidFill>
                     <a:srgbClr val="000000"/>
                   </a:solidFill>
@@ -4189,7 +4189,7 @@
             </a:ln>
             <a:extLst>
               <a:ext uri="{91240B29-F687-4f45-9708-019B960494DF}">
-                <a14:hiddenLine xmlns:a14="http://schemas.microsoft.com/office/drawing/2010/main" xmlns="" w="9525">
+                <a14:hiddenLine xmlns="" xmlns:a14="http://schemas.microsoft.com/office/drawing/2010/main" w="9525">
                   <a:solidFill>
                     <a:srgbClr val="000000"/>
                   </a:solidFill>
@@ -4279,7 +4279,7 @@
             </a:ln>
             <a:extLst>
               <a:ext uri="{91240B29-F687-4f45-9708-019B960494DF}">
-                <a14:hiddenLine xmlns:a14="http://schemas.microsoft.com/office/drawing/2010/main" xmlns="" w="9525">
+                <a14:hiddenLine xmlns="" xmlns:a14="http://schemas.microsoft.com/office/drawing/2010/main" w="9525">
                   <a:solidFill>
                     <a:srgbClr val="000000"/>
                   </a:solidFill>
@@ -9127,7 +9127,7 @@
           <a:noFill/>
           <a:extLst>
             <a:ext uri="{909E8E84-426E-40dd-AFC4-6F175D3DCCD1}">
-              <a14:hiddenFill xmlns:a14="http://schemas.microsoft.com/office/drawing/2010/main" xmlns="">
+              <a14:hiddenFill xmlns="" xmlns:a14="http://schemas.microsoft.com/office/drawing/2010/main">
                 <a:solidFill>
                   <a:srgbClr val="FFFFFF"/>
                 </a:solidFill>
@@ -9201,7 +9201,7 @@
               </a:ln>
               <a:extLst>
                 <a:ext uri="{91240B29-F687-4f45-9708-019B960494DF}">
-                  <a14:hiddenLine xmlns:a14="http://schemas.microsoft.com/office/drawing/2010/main" xmlns="" w="9525">
+                  <a14:hiddenLine xmlns="" xmlns:a14="http://schemas.microsoft.com/office/drawing/2010/main" w="9525">
                     <a:solidFill>
                       <a:srgbClr val="000000"/>
                     </a:solidFill>
@@ -9291,7 +9291,7 @@
               </a:ln>
               <a:extLst>
                 <a:ext uri="{91240B29-F687-4f45-9708-019B960494DF}">
-                  <a14:hiddenLine xmlns:a14="http://schemas.microsoft.com/office/drawing/2010/main" xmlns="" w="9525">
+                  <a14:hiddenLine xmlns="" xmlns:a14="http://schemas.microsoft.com/office/drawing/2010/main" w="9525">
                     <a:solidFill>
                       <a:srgbClr val="000000"/>
                     </a:solidFill>
@@ -9381,7 +9381,7 @@
               </a:ln>
               <a:extLst>
                 <a:ext uri="{91240B29-F687-4f45-9708-019B960494DF}">
-                  <a14:hiddenLine xmlns:a14="http://schemas.microsoft.com/office/drawing/2010/main" xmlns="" w="9525">
+                  <a14:hiddenLine xmlns="" xmlns:a14="http://schemas.microsoft.com/office/drawing/2010/main" w="9525">
                     <a:solidFill>
                       <a:srgbClr val="000000"/>
                     </a:solidFill>
@@ -9443,7 +9443,7 @@
               </a:ln>
               <a:extLst>
                 <a:ext uri="{91240B29-F687-4f45-9708-019B960494DF}">
-                  <a14:hiddenLine xmlns:a14="http://schemas.microsoft.com/office/drawing/2010/main" xmlns="" w="9525">
+                  <a14:hiddenLine xmlns="" xmlns:a14="http://schemas.microsoft.com/office/drawing/2010/main" w="9525">
                     <a:solidFill>
                       <a:srgbClr val="000000"/>
                     </a:solidFill>
@@ -9533,7 +9533,7 @@
               </a:ln>
               <a:extLst>
                 <a:ext uri="{91240B29-F687-4f45-9708-019B960494DF}">
-                  <a14:hiddenLine xmlns:a14="http://schemas.microsoft.com/office/drawing/2010/main" xmlns="" w="9525">
+                  <a14:hiddenLine xmlns="" xmlns:a14="http://schemas.microsoft.com/office/drawing/2010/main" w="9525">
                     <a:solidFill>
                       <a:srgbClr val="000000"/>
                     </a:solidFill>
@@ -9595,7 +9595,7 @@
               </a:ln>
               <a:extLst>
                 <a:ext uri="{91240B29-F687-4f45-9708-019B960494DF}">
-                  <a14:hiddenLine xmlns:a14="http://schemas.microsoft.com/office/drawing/2010/main" xmlns="" w="9525">
+                  <a14:hiddenLine xmlns="" xmlns:a14="http://schemas.microsoft.com/office/drawing/2010/main" w="9525">
                     <a:solidFill>
                       <a:srgbClr val="000000"/>
                     </a:solidFill>
@@ -9657,7 +9657,7 @@
               </a:ln>
               <a:extLst>
                 <a:ext uri="{91240B29-F687-4f45-9708-019B960494DF}">
-                  <a14:hiddenLine xmlns:a14="http://schemas.microsoft.com/office/drawing/2010/main" xmlns="" w="9525">
+                  <a14:hiddenLine xmlns="" xmlns:a14="http://schemas.microsoft.com/office/drawing/2010/main" w="9525">
                     <a:solidFill>
                       <a:srgbClr val="000000"/>
                     </a:solidFill>
@@ -9747,7 +9747,7 @@
               </a:ln>
               <a:extLst>
                 <a:ext uri="{91240B29-F687-4f45-9708-019B960494DF}">
-                  <a14:hiddenLine xmlns:a14="http://schemas.microsoft.com/office/drawing/2010/main" xmlns="" w="9525">
+                  <a14:hiddenLine xmlns="" xmlns:a14="http://schemas.microsoft.com/office/drawing/2010/main" w="9525">
                     <a:solidFill>
                       <a:srgbClr val="000000"/>
                     </a:solidFill>
@@ -9837,7 +9837,7 @@
               </a:ln>
               <a:extLst>
                 <a:ext uri="{91240B29-F687-4f45-9708-019B960494DF}">
-                  <a14:hiddenLine xmlns:a14="http://schemas.microsoft.com/office/drawing/2010/main" xmlns="" w="9525">
+                  <a14:hiddenLine xmlns="" xmlns:a14="http://schemas.microsoft.com/office/drawing/2010/main" w="9525">
                     <a:solidFill>
                       <a:srgbClr val="000000"/>
                     </a:solidFill>
@@ -9899,7 +9899,7 @@
               </a:ln>
               <a:extLst>
                 <a:ext uri="{91240B29-F687-4f45-9708-019B960494DF}">
-                  <a14:hiddenLine xmlns:a14="http://schemas.microsoft.com/office/drawing/2010/main" xmlns="" w="9525">
+                  <a14:hiddenLine xmlns="" xmlns:a14="http://schemas.microsoft.com/office/drawing/2010/main" w="9525">
                     <a:solidFill>
                       <a:srgbClr val="000000"/>
                     </a:solidFill>
@@ -10009,7 +10009,7 @@
               </a:ln>
               <a:extLst>
                 <a:ext uri="{91240B29-F687-4f45-9708-019B960494DF}">
-                  <a14:hiddenLine xmlns:a14="http://schemas.microsoft.com/office/drawing/2010/main" xmlns="" w="9525">
+                  <a14:hiddenLine xmlns="" xmlns:a14="http://schemas.microsoft.com/office/drawing/2010/main" w="9525">
                     <a:solidFill>
                       <a:srgbClr val="000000"/>
                     </a:solidFill>
@@ -10093,7 +10093,7 @@
               </a:ln>
               <a:extLst>
                 <a:ext uri="{91240B29-F687-4f45-9708-019B960494DF}">
-                  <a14:hiddenLine xmlns:a14="http://schemas.microsoft.com/office/drawing/2010/main" xmlns="" w="9525">
+                  <a14:hiddenLine xmlns="" xmlns:a14="http://schemas.microsoft.com/office/drawing/2010/main" w="9525">
                     <a:solidFill>
                       <a:srgbClr val="000000"/>
                     </a:solidFill>
@@ -10155,7 +10155,7 @@
               </a:ln>
               <a:extLst>
                 <a:ext uri="{91240B29-F687-4f45-9708-019B960494DF}">
-                  <a14:hiddenLine xmlns:a14="http://schemas.microsoft.com/office/drawing/2010/main" xmlns="" w="9525">
+                  <a14:hiddenLine xmlns="" xmlns:a14="http://schemas.microsoft.com/office/drawing/2010/main" w="9525">
                     <a:solidFill>
                       <a:srgbClr val="000000"/>
                     </a:solidFill>
@@ -10217,7 +10217,7 @@
               </a:ln>
               <a:extLst>
                 <a:ext uri="{91240B29-F687-4f45-9708-019B960494DF}">
-                  <a14:hiddenLine xmlns:a14="http://schemas.microsoft.com/office/drawing/2010/main" xmlns="" w="9525">
+                  <a14:hiddenLine xmlns="" xmlns:a14="http://schemas.microsoft.com/office/drawing/2010/main" w="9525">
                     <a:solidFill>
                       <a:srgbClr val="000000"/>
                     </a:solidFill>
@@ -10307,7 +10307,7 @@
               </a:ln>
               <a:extLst>
                 <a:ext uri="{91240B29-F687-4f45-9708-019B960494DF}">
-                  <a14:hiddenLine xmlns:a14="http://schemas.microsoft.com/office/drawing/2010/main" xmlns="" w="9525">
+                  <a14:hiddenLine xmlns="" xmlns:a14="http://schemas.microsoft.com/office/drawing/2010/main" w="9525">
                     <a:solidFill>
                       <a:srgbClr val="000000"/>
                     </a:solidFill>
@@ -10341,7 +10341,7 @@
               </a:ln>
               <a:extLst>
                 <a:ext uri="{91240B29-F687-4f45-9708-019B960494DF}">
-                  <a14:hiddenLine xmlns:a14="http://schemas.microsoft.com/office/drawing/2010/main" xmlns="" w="9525">
+                  <a14:hiddenLine xmlns="" xmlns:a14="http://schemas.microsoft.com/office/drawing/2010/main" w="9525">
                     <a:solidFill>
                       <a:srgbClr val="000000"/>
                     </a:solidFill>
@@ -10406,7 +10406,7 @@
               </a:ln>
               <a:extLst>
                 <a:ext uri="{91240B29-F687-4f45-9708-019B960494DF}">
-                  <a14:hiddenLine xmlns:a14="http://schemas.microsoft.com/office/drawing/2010/main" xmlns="" w="9525">
+                  <a14:hiddenLine xmlns="" xmlns:a14="http://schemas.microsoft.com/office/drawing/2010/main" w="9525">
                     <a:solidFill>
                       <a:srgbClr val="000000"/>
                     </a:solidFill>
@@ -10496,7 +10496,7 @@
               </a:ln>
               <a:extLst>
                 <a:ext uri="{91240B29-F687-4f45-9708-019B960494DF}">
-                  <a14:hiddenLine xmlns:a14="http://schemas.microsoft.com/office/drawing/2010/main" xmlns="" w="9525">
+                  <a14:hiddenLine xmlns="" xmlns:a14="http://schemas.microsoft.com/office/drawing/2010/main" w="9525">
                     <a:solidFill>
                       <a:srgbClr val="000000"/>
                     </a:solidFill>
@@ -10558,7 +10558,7 @@
               </a:ln>
               <a:extLst>
                 <a:ext uri="{91240B29-F687-4f45-9708-019B960494DF}">
-                  <a14:hiddenLine xmlns:a14="http://schemas.microsoft.com/office/drawing/2010/main" xmlns="" w="9525">
+                  <a14:hiddenLine xmlns="" xmlns:a14="http://schemas.microsoft.com/office/drawing/2010/main" w="9525">
                     <a:solidFill>
                       <a:srgbClr val="000000"/>
                     </a:solidFill>
@@ -10648,7 +10648,7 @@
               </a:ln>
               <a:extLst>
                 <a:ext uri="{91240B29-F687-4f45-9708-019B960494DF}">
-                  <a14:hiddenLine xmlns:a14="http://schemas.microsoft.com/office/drawing/2010/main" xmlns="" w="9525">
+                  <a14:hiddenLine xmlns="" xmlns:a14="http://schemas.microsoft.com/office/drawing/2010/main" w="9525">
                     <a:solidFill>
                       <a:srgbClr val="000000"/>
                     </a:solidFill>
@@ -10713,7 +10713,7 @@
               </a:ln>
               <a:extLst>
                 <a:ext uri="{91240B29-F687-4f45-9708-019B960494DF}">
-                  <a14:hiddenLine xmlns:a14="http://schemas.microsoft.com/office/drawing/2010/main" xmlns="" w="9525">
+                  <a14:hiddenLine xmlns="" xmlns:a14="http://schemas.microsoft.com/office/drawing/2010/main" w="9525">
                     <a:solidFill>
                       <a:srgbClr val="000000"/>
                     </a:solidFill>
@@ -10775,7 +10775,7 @@
               </a:ln>
               <a:extLst>
                 <a:ext uri="{91240B29-F687-4f45-9708-019B960494DF}">
-                  <a14:hiddenLine xmlns:a14="http://schemas.microsoft.com/office/drawing/2010/main" xmlns="" w="9525">
+                  <a14:hiddenLine xmlns="" xmlns:a14="http://schemas.microsoft.com/office/drawing/2010/main" w="9525">
                     <a:solidFill>
                       <a:srgbClr val="000000"/>
                     </a:solidFill>
@@ -10865,7 +10865,7 @@
               </a:ln>
               <a:extLst>
                 <a:ext uri="{91240B29-F687-4f45-9708-019B960494DF}">
-                  <a14:hiddenLine xmlns:a14="http://schemas.microsoft.com/office/drawing/2010/main" xmlns="" w="9525">
+                  <a14:hiddenLine xmlns="" xmlns:a14="http://schemas.microsoft.com/office/drawing/2010/main" w="9525">
                     <a:solidFill>
                       <a:srgbClr val="000000"/>
                     </a:solidFill>
@@ -10955,7 +10955,7 @@
               </a:ln>
               <a:extLst>
                 <a:ext uri="{91240B29-F687-4f45-9708-019B960494DF}">
-                  <a14:hiddenLine xmlns:a14="http://schemas.microsoft.com/office/drawing/2010/main" xmlns="" w="9525">
+                  <a14:hiddenLine xmlns="" xmlns:a14="http://schemas.microsoft.com/office/drawing/2010/main" w="9525">
                     <a:solidFill>
                       <a:srgbClr val="000000"/>
                     </a:solidFill>
@@ -11020,7 +11020,7 @@
               </a:ln>
               <a:extLst>
                 <a:ext uri="{91240B29-F687-4f45-9708-019B960494DF}">
-                  <a14:hiddenLine xmlns:a14="http://schemas.microsoft.com/office/drawing/2010/main" xmlns="" w="9525">
+                  <a14:hiddenLine xmlns="" xmlns:a14="http://schemas.microsoft.com/office/drawing/2010/main" w="9525">
                     <a:solidFill>
                       <a:srgbClr val="000000"/>
                     </a:solidFill>
@@ -11140,7 +11140,7 @@
               </a:ln>
               <a:extLst>
                 <a:ext uri="{91240B29-F687-4f45-9708-019B960494DF}">
-                  <a14:hiddenLine xmlns:a14="http://schemas.microsoft.com/office/drawing/2010/main" xmlns="" w="9525">
+                  <a14:hiddenLine xmlns="" xmlns:a14="http://schemas.microsoft.com/office/drawing/2010/main" w="9525">
                     <a:solidFill>
                       <a:srgbClr val="000000"/>
                     </a:solidFill>
@@ -11221,7 +11221,7 @@
               </a:ln>
               <a:extLst>
                 <a:ext uri="{91240B29-F687-4f45-9708-019B960494DF}">
-                  <a14:hiddenLine xmlns:a14="http://schemas.microsoft.com/office/drawing/2010/main" xmlns="" w="9525">
+                  <a14:hiddenLine xmlns="" xmlns:a14="http://schemas.microsoft.com/office/drawing/2010/main" w="9525">
                     <a:solidFill>
                       <a:srgbClr val="000000"/>
                     </a:solidFill>
@@ -11336,7 +11336,7 @@
               </a:ln>
               <a:extLst>
                 <a:ext uri="{91240B29-F687-4f45-9708-019B960494DF}">
-                  <a14:hiddenLine xmlns:a14="http://schemas.microsoft.com/office/drawing/2010/main" xmlns="" w="9525">
+                  <a14:hiddenLine xmlns="" xmlns:a14="http://schemas.microsoft.com/office/drawing/2010/main" w="9525">
                     <a:solidFill>
                       <a:srgbClr val="000000"/>
                     </a:solidFill>
@@ -11426,7 +11426,7 @@
               </a:ln>
               <a:extLst>
                 <a:ext uri="{91240B29-F687-4f45-9708-019B960494DF}">
-                  <a14:hiddenLine xmlns:a14="http://schemas.microsoft.com/office/drawing/2010/main" xmlns="" w="9525">
+                  <a14:hiddenLine xmlns="" xmlns:a14="http://schemas.microsoft.com/office/drawing/2010/main" w="9525">
                     <a:solidFill>
                       <a:srgbClr val="000000"/>
                     </a:solidFill>
@@ -11491,7 +11491,7 @@
               </a:ln>
               <a:extLst>
                 <a:ext uri="{91240B29-F687-4f45-9708-019B960494DF}">
-                  <a14:hiddenLine xmlns:a14="http://schemas.microsoft.com/office/drawing/2010/main" xmlns="" w="9525">
+                  <a14:hiddenLine xmlns="" xmlns:a14="http://schemas.microsoft.com/office/drawing/2010/main" w="9525">
                     <a:solidFill>
                       <a:srgbClr val="000000"/>
                     </a:solidFill>
@@ -11581,7 +11581,7 @@
               </a:ln>
               <a:extLst>
                 <a:ext uri="{91240B29-F687-4f45-9708-019B960494DF}">
-                  <a14:hiddenLine xmlns:a14="http://schemas.microsoft.com/office/drawing/2010/main" xmlns="" w="9525">
+                  <a14:hiddenLine xmlns="" xmlns:a14="http://schemas.microsoft.com/office/drawing/2010/main" w="9525">
                     <a:solidFill>
                       <a:srgbClr val="000000"/>
                     </a:solidFill>
@@ -11649,7 +11649,7 @@
               </a:ln>
               <a:extLst>
                 <a:ext uri="{91240B29-F687-4f45-9708-019B960494DF}">
-                  <a14:hiddenLine xmlns:a14="http://schemas.microsoft.com/office/drawing/2010/main" xmlns="" w="9525">
+                  <a14:hiddenLine xmlns="" xmlns:a14="http://schemas.microsoft.com/office/drawing/2010/main" w="9525">
                     <a:solidFill>
                       <a:srgbClr val="000000"/>
                     </a:solidFill>
@@ -11739,7 +11739,7 @@
               </a:ln>
               <a:extLst>
                 <a:ext uri="{91240B29-F687-4f45-9708-019B960494DF}">
-                  <a14:hiddenLine xmlns:a14="http://schemas.microsoft.com/office/drawing/2010/main" xmlns="" w="9525">
+                  <a14:hiddenLine xmlns="" xmlns:a14="http://schemas.microsoft.com/office/drawing/2010/main" w="9525">
                     <a:solidFill>
                       <a:srgbClr val="000000"/>
                     </a:solidFill>
@@ -11807,7 +11807,7 @@
               </a:ln>
               <a:extLst>
                 <a:ext uri="{91240B29-F687-4f45-9708-019B960494DF}">
-                  <a14:hiddenLine xmlns:a14="http://schemas.microsoft.com/office/drawing/2010/main" xmlns="" w="9525">
+                  <a14:hiddenLine xmlns="" xmlns:a14="http://schemas.microsoft.com/office/drawing/2010/main" w="9525">
                     <a:solidFill>
                       <a:srgbClr val="000000"/>
                     </a:solidFill>
@@ -11897,7 +11897,7 @@
               </a:ln>
               <a:extLst>
                 <a:ext uri="{91240B29-F687-4f45-9708-019B960494DF}">
-                  <a14:hiddenLine xmlns:a14="http://schemas.microsoft.com/office/drawing/2010/main" xmlns="" w="9525">
+                  <a14:hiddenLine xmlns="" xmlns:a14="http://schemas.microsoft.com/office/drawing/2010/main" w="9525">
                     <a:solidFill>
                       <a:srgbClr val="000000"/>
                     </a:solidFill>
@@ -11931,7 +11931,7 @@
               </a:ln>
               <a:extLst>
                 <a:ext uri="{91240B29-F687-4f45-9708-019B960494DF}">
-                  <a14:hiddenLine xmlns:a14="http://schemas.microsoft.com/office/drawing/2010/main" xmlns="" w="9525">
+                  <a14:hiddenLine xmlns="" xmlns:a14="http://schemas.microsoft.com/office/drawing/2010/main" w="9525">
                     <a:solidFill>
                       <a:srgbClr val="000000"/>
                     </a:solidFill>
@@ -12544,7 +12544,22 @@
           <a:bodyPr/>
           <a:lstStyle/>
           <a:p>
-            <a:endParaRPr lang="en-US"/>
+            <a:r>
+              <a:rPr lang="en-US" dirty="0"/>
+              <a:t>By </a:t>
+            </a:r>
+            <a:r>
+              <a:rPr lang="en-US" dirty="0" err="1"/>
+              <a:t>eriawan</a:t>
+            </a:r>
+            <a:r>
+              <a:rPr lang="en-US" dirty="0"/>
+              <a:t> </a:t>
+            </a:r>
+            <a:r>
+              <a:rPr lang="en-US"/>
+              <a:t>kusumawardhono</a:t>
+            </a:r>
           </a:p>
         </p:txBody>
       </p:sp>
